--- a/notes/Approach_20160220.pptx
+++ b/notes/Approach_20160220.pptx
@@ -107,6 +107,11 @@
       </a:defRPr>
     </a:lvl9pPr>
   </p:defaultTextStyle>
+  <p:extLst>
+    <p:ext uri="{EFAFB233-063F-42B5-8137-9DF3F51BA10A}">
+      <p15:sldGuideLst xmlns:p15="http://schemas.microsoft.com/office/powerpoint/2012/main"/>
+    </p:ext>
+  </p:extLst>
 </p:presentation>
 </file>
 
@@ -241,7 +246,7 @@
           <a:p>
             <a:fld id="{AD86CD33-B04C-4031-8A7F-F74727194BF8}" type="datetimeFigureOut">
               <a:rPr lang="en-US" smtClean="0"/>
-              <a:t>2/20/2016</a:t>
+              <a:t>2/21/2016</a:t>
             </a:fld>
             <a:endParaRPr lang="en-US"/>
           </a:p>
@@ -411,7 +416,7 @@
           <a:p>
             <a:fld id="{AD86CD33-B04C-4031-8A7F-F74727194BF8}" type="datetimeFigureOut">
               <a:rPr lang="en-US" smtClean="0"/>
-              <a:t>2/20/2016</a:t>
+              <a:t>2/21/2016</a:t>
             </a:fld>
             <a:endParaRPr lang="en-US"/>
           </a:p>
@@ -591,7 +596,7 @@
           <a:p>
             <a:fld id="{AD86CD33-B04C-4031-8A7F-F74727194BF8}" type="datetimeFigureOut">
               <a:rPr lang="en-US" smtClean="0"/>
-              <a:t>2/20/2016</a:t>
+              <a:t>2/21/2016</a:t>
             </a:fld>
             <a:endParaRPr lang="en-US"/>
           </a:p>
@@ -761,7 +766,7 @@
           <a:p>
             <a:fld id="{AD86CD33-B04C-4031-8A7F-F74727194BF8}" type="datetimeFigureOut">
               <a:rPr lang="en-US" smtClean="0"/>
-              <a:t>2/20/2016</a:t>
+              <a:t>2/21/2016</a:t>
             </a:fld>
             <a:endParaRPr lang="en-US"/>
           </a:p>
@@ -1007,7 +1012,7 @@
           <a:p>
             <a:fld id="{AD86CD33-B04C-4031-8A7F-F74727194BF8}" type="datetimeFigureOut">
               <a:rPr lang="en-US" smtClean="0"/>
-              <a:t>2/20/2016</a:t>
+              <a:t>2/21/2016</a:t>
             </a:fld>
             <a:endParaRPr lang="en-US"/>
           </a:p>
@@ -1239,7 +1244,7 @@
           <a:p>
             <a:fld id="{AD86CD33-B04C-4031-8A7F-F74727194BF8}" type="datetimeFigureOut">
               <a:rPr lang="en-US" smtClean="0"/>
-              <a:t>2/20/2016</a:t>
+              <a:t>2/21/2016</a:t>
             </a:fld>
             <a:endParaRPr lang="en-US"/>
           </a:p>
@@ -1606,7 +1611,7 @@
           <a:p>
             <a:fld id="{AD86CD33-B04C-4031-8A7F-F74727194BF8}" type="datetimeFigureOut">
               <a:rPr lang="en-US" smtClean="0"/>
-              <a:t>2/20/2016</a:t>
+              <a:t>2/21/2016</a:t>
             </a:fld>
             <a:endParaRPr lang="en-US"/>
           </a:p>
@@ -1724,7 +1729,7 @@
           <a:p>
             <a:fld id="{AD86CD33-B04C-4031-8A7F-F74727194BF8}" type="datetimeFigureOut">
               <a:rPr lang="en-US" smtClean="0"/>
-              <a:t>2/20/2016</a:t>
+              <a:t>2/21/2016</a:t>
             </a:fld>
             <a:endParaRPr lang="en-US"/>
           </a:p>
@@ -1819,7 +1824,7 @@
           <a:p>
             <a:fld id="{AD86CD33-B04C-4031-8A7F-F74727194BF8}" type="datetimeFigureOut">
               <a:rPr lang="en-US" smtClean="0"/>
-              <a:t>2/20/2016</a:t>
+              <a:t>2/21/2016</a:t>
             </a:fld>
             <a:endParaRPr lang="en-US"/>
           </a:p>
@@ -2096,7 +2101,7 @@
           <a:p>
             <a:fld id="{AD86CD33-B04C-4031-8A7F-F74727194BF8}" type="datetimeFigureOut">
               <a:rPr lang="en-US" smtClean="0"/>
-              <a:t>2/20/2016</a:t>
+              <a:t>2/21/2016</a:t>
             </a:fld>
             <a:endParaRPr lang="en-US"/>
           </a:p>
@@ -2349,7 +2354,7 @@
           <a:p>
             <a:fld id="{AD86CD33-B04C-4031-8A7F-F74727194BF8}" type="datetimeFigureOut">
               <a:rPr lang="en-US" smtClean="0"/>
-              <a:t>2/20/2016</a:t>
+              <a:t>2/21/2016</a:t>
             </a:fld>
             <a:endParaRPr lang="en-US"/>
           </a:p>
@@ -2562,7 +2567,7 @@
           <a:p>
             <a:fld id="{AD86CD33-B04C-4031-8A7F-F74727194BF8}" type="datetimeFigureOut">
               <a:rPr lang="en-US" smtClean="0"/>
-              <a:t>2/20/2016</a:t>
+              <a:t>2/21/2016</a:t>
             </a:fld>
             <a:endParaRPr lang="en-US"/>
           </a:p>
@@ -3193,15 +3198,24 @@
             <a:pPr lvl="1"/>
             <a:r>
               <a:rPr lang="en-US" dirty="0" smtClean="0"/>
-              <a:t>Two terms</a:t>
-            </a:r>
+              <a:t>Keep two time constants</a:t>
+            </a:r>
+            <a:endParaRPr lang="en-US" dirty="0" smtClean="0"/>
           </a:p>
           <a:p>
             <a:pPr lvl="1"/>
             <a:r>
               <a:rPr lang="en-US" dirty="0" smtClean="0"/>
-              <a:t>Neurite + MC terms</a:t>
-            </a:r>
+              <a:t>One for neurite</a:t>
+            </a:r>
+          </a:p>
+          <a:p>
+            <a:pPr lvl="1"/>
+            <a:r>
+              <a:rPr lang="en-US" dirty="0" smtClean="0"/>
+              <a:t>Another for MC</a:t>
+            </a:r>
+            <a:endParaRPr lang="en-US" dirty="0" smtClean="0"/>
           </a:p>
           <a:p>
             <a:r>
@@ -3245,7 +3259,11 @@
             <a:pPr lvl="1"/>
             <a:r>
               <a:rPr lang="en-US" dirty="0" smtClean="0"/>
-              <a:t>Neurite time constants does not match recording</a:t>
+              <a:t>Good outcome, but neurite </a:t>
+            </a:r>
+            <a:r>
+              <a:rPr lang="en-US" dirty="0" smtClean="0"/>
+              <a:t>time constants does not match recording</a:t>
             </a:r>
             <a:endParaRPr lang="en-US" dirty="0"/>
           </a:p>
@@ -3347,11 +3365,13 @@
         <p:spPr>
           <a:xfrm>
             <a:off x="838200" y="1825625"/>
-            <a:ext cx="4076700" cy="4351338"/>
+            <a:ext cx="4178300" cy="4351338"/>
           </a:xfrm>
         </p:spPr>
         <p:txBody>
-          <a:bodyPr/>
+          <a:bodyPr>
+            <a:normAutofit lnSpcReduction="10000"/>
+          </a:bodyPr>
           <a:lstStyle/>
           <a:p>
             <a:r>
@@ -3378,7 +3398,26 @@
             <a:pPr lvl="1"/>
             <a:r>
               <a:rPr lang="en-US" dirty="0" smtClean="0"/>
-              <a:t>Add another USA term</a:t>
+              <a:t>Let </a:t>
+            </a:r>
+            <a:r>
+              <a:rPr lang="en-US" dirty="0" err="1" smtClean="0"/>
+              <a:t>Tau_mc</a:t>
+            </a:r>
+            <a:r>
+              <a:rPr lang="en-US" dirty="0" smtClean="0"/>
+              <a:t> to freely move</a:t>
+            </a:r>
+          </a:p>
+          <a:p>
+            <a:pPr lvl="1"/>
+            <a:r>
+              <a:rPr lang="en-US" dirty="0" smtClean="0"/>
+              <a:t>Add </a:t>
+            </a:r>
+            <a:r>
+              <a:rPr lang="en-US" dirty="0" smtClean="0"/>
+              <a:t>another USA term</a:t>
             </a:r>
           </a:p>
           <a:p>
@@ -3435,6 +3474,34 @@
             <a:r>
               <a:rPr lang="en-US" dirty="0" err="1" smtClean="0"/>
               <a:t>ms</a:t>
+            </a:r>
+            <a:endParaRPr lang="en-US" dirty="0" smtClean="0"/>
+          </a:p>
+          <a:p>
+            <a:pPr lvl="1"/>
+            <a:endParaRPr lang="en-US" dirty="0"/>
+          </a:p>
+          <a:p>
+            <a:pPr lvl="1"/>
+            <a:r>
+              <a:rPr lang="en-US" dirty="0" smtClean="0"/>
+              <a:t>Drawback: </a:t>
+            </a:r>
+            <a:r>
+              <a:rPr lang="en-US" dirty="0" err="1" smtClean="0"/>
+              <a:t>tau_mc</a:t>
+            </a:r>
+            <a:r>
+              <a:rPr lang="en-US" dirty="0" smtClean="0"/>
+              <a:t> not directly from fitting; </a:t>
+            </a:r>
+            <a:r>
+              <a:rPr lang="en-US" dirty="0" err="1" smtClean="0"/>
+              <a:t>tau_usa</a:t>
+            </a:r>
+            <a:r>
+              <a:rPr lang="en-US" dirty="0" smtClean="0"/>
+              <a:t> too long.</a:t>
             </a:r>
             <a:endParaRPr lang="en-US" dirty="0" smtClean="0"/>
           </a:p>
@@ -3540,7 +3607,9 @@
           </a:xfrm>
         </p:spPr>
         <p:txBody>
-          <a:bodyPr/>
+          <a:bodyPr>
+            <a:normAutofit lnSpcReduction="10000"/>
+          </a:bodyPr>
           <a:lstStyle/>
           <a:p>
             <a:r>
@@ -3638,8 +3707,24 @@
             </a:r>
             <a:r>
               <a:rPr lang="en-US" dirty="0" smtClean="0"/>
-              <a:t> et al., 2011)</a:t>
-            </a:r>
+              <a:t> et al., 2011</a:t>
+            </a:r>
+            <a:r>
+              <a:rPr lang="en-US" dirty="0" smtClean="0"/>
+              <a:t>)</a:t>
+            </a:r>
+          </a:p>
+          <a:p>
+            <a:pPr lvl="1"/>
+            <a:endParaRPr lang="en-US" dirty="0"/>
+          </a:p>
+          <a:p>
+            <a:pPr lvl="1"/>
+            <a:r>
+              <a:rPr lang="en-US" dirty="0" smtClean="0"/>
+              <a:t>Shawn likes this approach the best.</a:t>
+            </a:r>
+            <a:endParaRPr lang="en-US" dirty="0" smtClean="0"/>
           </a:p>
         </p:txBody>
       </p:sp>
